--- a/Naan Mudhalvan PPT 2.pptx
+++ b/Naan Mudhalvan PPT 2.pptx
@@ -3685,7 +3685,7 @@
             <a:fld id="{B61BEF0D-F0BB-DE4B-95CE-6DB70DBA9567}" type="datetimeFigureOut">
               <a:rPr lang="en-US" dirty="0"/>
               <a:pPr/>
-              <a:t>8/26/2024</a:t>
+              <a:t>8/27/2024</a:t>
             </a:fld>
             <a:endParaRPr lang="en-US" dirty="0"/>
           </a:p>
@@ -4006,7 +4006,7 @@
             <a:fld id="{B61BEF0D-F0BB-DE4B-95CE-6DB70DBA9567}" type="datetimeFigureOut">
               <a:rPr lang="en-US" dirty="0"/>
               <a:pPr/>
-              <a:t>8/26/2024</a:t>
+              <a:t>8/27/2024</a:t>
             </a:fld>
             <a:endParaRPr lang="en-US" dirty="0"/>
           </a:p>
@@ -4251,7 +4251,7 @@
             <a:fld id="{B61BEF0D-F0BB-DE4B-95CE-6DB70DBA9567}" type="datetimeFigureOut">
               <a:rPr lang="en-US" dirty="0"/>
               <a:pPr/>
-              <a:t>8/26/2024</a:t>
+              <a:t>8/27/2024</a:t>
             </a:fld>
             <a:endParaRPr lang="en-US" dirty="0"/>
           </a:p>
@@ -4587,7 +4587,7 @@
             <a:fld id="{B61BEF0D-F0BB-DE4B-95CE-6DB70DBA9567}" type="datetimeFigureOut">
               <a:rPr lang="en-US" dirty="0"/>
               <a:pPr/>
-              <a:t>8/26/2024</a:t>
+              <a:t>8/27/2024</a:t>
             </a:fld>
             <a:endParaRPr lang="en-US" dirty="0"/>
           </a:p>
@@ -4931,7 +4931,7 @@
             <a:fld id="{B61BEF0D-F0BB-DE4B-95CE-6DB70DBA9567}" type="datetimeFigureOut">
               <a:rPr lang="en-US" dirty="0"/>
               <a:pPr/>
-              <a:t>8/26/2024</a:t>
+              <a:t>8/27/2024</a:t>
             </a:fld>
             <a:endParaRPr lang="en-US" dirty="0"/>
           </a:p>
@@ -5302,7 +5302,7 @@
             <a:fld id="{B61BEF0D-F0BB-DE4B-95CE-6DB70DBA9567}" type="datetimeFigureOut">
               <a:rPr lang="en-US" dirty="0"/>
               <a:pPr/>
-              <a:t>8/26/2024</a:t>
+              <a:t>8/27/2024</a:t>
             </a:fld>
             <a:endParaRPr lang="en-US" dirty="0"/>
           </a:p>
@@ -5769,7 +5769,7 @@
             <a:fld id="{B61BEF0D-F0BB-DE4B-95CE-6DB70DBA9567}" type="datetimeFigureOut">
               <a:rPr lang="en-US" dirty="0"/>
               <a:pPr/>
-              <a:t>8/26/2024</a:t>
+              <a:t>8/27/2024</a:t>
             </a:fld>
             <a:endParaRPr lang="en-US" dirty="0"/>
           </a:p>
@@ -5971,7 +5971,7 @@
             <a:fld id="{B61BEF0D-F0BB-DE4B-95CE-6DB70DBA9567}" type="datetimeFigureOut">
               <a:rPr lang="en-US" dirty="0"/>
               <a:pPr/>
-              <a:t>8/26/2024</a:t>
+              <a:t>8/27/2024</a:t>
             </a:fld>
             <a:endParaRPr lang="en-US" dirty="0"/>
           </a:p>
@@ -6179,7 +6179,7 @@
             <a:fld id="{B61BEF0D-F0BB-DE4B-95CE-6DB70DBA9567}" type="datetimeFigureOut">
               <a:rPr lang="en-US" dirty="0"/>
               <a:pPr/>
-              <a:t>8/26/2024</a:t>
+              <a:t>8/27/2024</a:t>
             </a:fld>
             <a:endParaRPr lang="en-US" dirty="0"/>
           </a:p>
@@ -6407,7 +6407,7 @@
           <a:p>
             <a:fld id="{52647F38-B617-4D2F-AE0A-013F0C4D2C57}" type="datetimeFigureOut">
               <a:rPr lang="en-US" dirty="0"/>
-              <a:t>8/26/2024</a:t>
+              <a:t>8/27/2024</a:t>
             </a:fld>
             <a:endParaRPr lang="en-US" dirty="0"/>
           </a:p>
@@ -6651,7 +6651,7 @@
             <a:fld id="{B61BEF0D-F0BB-DE4B-95CE-6DB70DBA9567}" type="datetimeFigureOut">
               <a:rPr lang="en-US" dirty="0"/>
               <a:pPr/>
-              <a:t>8/26/2024</a:t>
+              <a:t>8/27/2024</a:t>
             </a:fld>
             <a:endParaRPr lang="en-US" dirty="0"/>
           </a:p>
@@ -6945,7 +6945,7 @@
           <a:p>
             <a:fld id="{05BFA754-D5C3-4E66-96A6-867B257F58DC}" type="datetimeFigureOut">
               <a:rPr lang="en-US" dirty="0"/>
-              <a:t>8/26/2024</a:t>
+              <a:t>8/27/2024</a:t>
             </a:fld>
             <a:endParaRPr lang="en-US" dirty="0"/>
           </a:p>
@@ -7335,7 +7335,7 @@
             <a:fld id="{B61BEF0D-F0BB-DE4B-95CE-6DB70DBA9567}" type="datetimeFigureOut">
               <a:rPr lang="en-US" dirty="0"/>
               <a:pPr/>
-              <a:t>8/26/2024</a:t>
+              <a:t>8/27/2024</a:t>
             </a:fld>
             <a:endParaRPr lang="en-US" dirty="0"/>
           </a:p>
@@ -7481,7 +7481,7 @@
             <a:fld id="{B61BEF0D-F0BB-DE4B-95CE-6DB70DBA9567}" type="datetimeFigureOut">
               <a:rPr lang="en-US" dirty="0"/>
               <a:pPr/>
-              <a:t>8/26/2024</a:t>
+              <a:t>8/27/2024</a:t>
             </a:fld>
             <a:endParaRPr lang="en-US" dirty="0"/>
           </a:p>
@@ -7604,7 +7604,7 @@
             <a:fld id="{B61BEF0D-F0BB-DE4B-95CE-6DB70DBA9567}" type="datetimeFigureOut">
               <a:rPr lang="en-US" dirty="0"/>
               <a:pPr/>
-              <a:t>8/26/2024</a:t>
+              <a:t>8/27/2024</a:t>
             </a:fld>
             <a:endParaRPr lang="en-US" dirty="0"/>
           </a:p>
@@ -7856,7 +7856,7 @@
             <a:fld id="{B61BEF0D-F0BB-DE4B-95CE-6DB70DBA9567}" type="datetimeFigureOut">
               <a:rPr lang="en-US" dirty="0"/>
               <a:pPr/>
-              <a:t>8/26/2024</a:t>
+              <a:t>8/27/2024</a:t>
             </a:fld>
             <a:endParaRPr lang="en-US" dirty="0"/>
           </a:p>
@@ -8168,7 +8168,7 @@
             <a:fld id="{B61BEF0D-F0BB-DE4B-95CE-6DB70DBA9567}" type="datetimeFigureOut">
               <a:rPr lang="en-US" dirty="0"/>
               <a:pPr/>
-              <a:t>8/26/2024</a:t>
+              <a:t>8/27/2024</a:t>
             </a:fld>
             <a:endParaRPr lang="en-US" dirty="0"/>
           </a:p>
@@ -8516,7 +8516,7 @@
             <a:fld id="{B61BEF0D-F0BB-DE4B-95CE-6DB70DBA9567}" type="datetimeFigureOut">
               <a:rPr lang="en-US" dirty="0"/>
               <a:pPr/>
-              <a:t>8/26/2024</a:t>
+              <a:t>8/27/2024</a:t>
             </a:fld>
             <a:endParaRPr lang="en-US" dirty="0"/>
           </a:p>
@@ -9110,7 +9110,7 @@
         </p:spPr>
         <p:txBody>
           <a:bodyPr anchor="ctr">
-            <a:normAutofit lnSpcReduction="10000"/>
+            <a:normAutofit fontScale="85000" lnSpcReduction="20000"/>
           </a:bodyPr>
           <a:lstStyle/>
           <a:p>
@@ -9123,6 +9123,18 @@
                 <a:cs typeface="Times New Roman" panose="02020603050405020304" pitchFamily="18" charset="0"/>
               </a:rPr>
               <a:t>STUDENT NAME:YOGALAKSHMI M</a:t>
+            </a:r>
+          </a:p>
+          <a:p>
+            <a:pPr marL="0" indent="0">
+              <a:buNone/>
+            </a:pPr>
+            <a:r>
+              <a:rPr lang="en-IN" sz="3600" b="1" dirty="0">
+                <a:latin typeface="Times New Roman" panose="02020603050405020304" pitchFamily="18" charset="0"/>
+                <a:cs typeface="Times New Roman" panose="02020603050405020304" pitchFamily="18" charset="0"/>
+              </a:rPr>
+              <a:t>NAAN MUDHALVAN ID:ASUNM1363422200527</a:t>
             </a:r>
           </a:p>
           <a:p>
@@ -9758,6 +9770,128 @@
                                           <p:spTgt spid="3">
                                             <p:txEl>
                                               <p:pRg st="3" end="3"/>
+                                            </p:txEl>
+                                          </p:spTgt>
+                                        </p:tgtEl>
+                                        <p:attrNameLst>
+                                          <p:attrName>r</p:attrName>
+                                        </p:attrNameLst>
+                                      </p:cBhvr>
+                                    </p:animRot>
+                                  </p:childTnLst>
+                                </p:cTn>
+                              </p:par>
+                            </p:childTnLst>
+                          </p:cTn>
+                        </p:par>
+                      </p:childTnLst>
+                    </p:cTn>
+                  </p:par>
+                  <p:par>
+                    <p:cTn id="42" fill="hold">
+                      <p:stCondLst>
+                        <p:cond delay="indefinite"/>
+                      </p:stCondLst>
+                      <p:childTnLst>
+                        <p:par>
+                          <p:cTn id="43" fill="hold">
+                            <p:stCondLst>
+                              <p:cond delay="0"/>
+                            </p:stCondLst>
+                            <p:childTnLst>
+                              <p:par>
+                                <p:cTn id="44" presetID="32" presetClass="emph" presetSubtype="0" fill="hold" grpId="0" nodeType="clickEffect">
+                                  <p:stCondLst>
+                                    <p:cond delay="0"/>
+                                  </p:stCondLst>
+                                  <p:childTnLst>
+                                    <p:animRot by="120000">
+                                      <p:cBhvr>
+                                        <p:cTn id="45" dur="100" fill="hold">
+                                          <p:stCondLst>
+                                            <p:cond delay="0"/>
+                                          </p:stCondLst>
+                                        </p:cTn>
+                                        <p:tgtEl>
+                                          <p:spTgt spid="3">
+                                            <p:txEl>
+                                              <p:pRg st="4" end="4"/>
+                                            </p:txEl>
+                                          </p:spTgt>
+                                        </p:tgtEl>
+                                        <p:attrNameLst>
+                                          <p:attrName>r</p:attrName>
+                                        </p:attrNameLst>
+                                      </p:cBhvr>
+                                    </p:animRot>
+                                    <p:animRot by="-240000">
+                                      <p:cBhvr>
+                                        <p:cTn id="46" dur="200" fill="hold">
+                                          <p:stCondLst>
+                                            <p:cond delay="200"/>
+                                          </p:stCondLst>
+                                        </p:cTn>
+                                        <p:tgtEl>
+                                          <p:spTgt spid="3">
+                                            <p:txEl>
+                                              <p:pRg st="4" end="4"/>
+                                            </p:txEl>
+                                          </p:spTgt>
+                                        </p:tgtEl>
+                                        <p:attrNameLst>
+                                          <p:attrName>r</p:attrName>
+                                        </p:attrNameLst>
+                                      </p:cBhvr>
+                                    </p:animRot>
+                                    <p:animRot by="240000">
+                                      <p:cBhvr>
+                                        <p:cTn id="47" dur="200" fill="hold">
+                                          <p:stCondLst>
+                                            <p:cond delay="400"/>
+                                          </p:stCondLst>
+                                        </p:cTn>
+                                        <p:tgtEl>
+                                          <p:spTgt spid="3">
+                                            <p:txEl>
+                                              <p:pRg st="4" end="4"/>
+                                            </p:txEl>
+                                          </p:spTgt>
+                                        </p:tgtEl>
+                                        <p:attrNameLst>
+                                          <p:attrName>r</p:attrName>
+                                        </p:attrNameLst>
+                                      </p:cBhvr>
+                                    </p:animRot>
+                                    <p:animRot by="-240000">
+                                      <p:cBhvr>
+                                        <p:cTn id="48" dur="200" fill="hold">
+                                          <p:stCondLst>
+                                            <p:cond delay="600"/>
+                                          </p:stCondLst>
+                                        </p:cTn>
+                                        <p:tgtEl>
+                                          <p:spTgt spid="3">
+                                            <p:txEl>
+                                              <p:pRg st="4" end="4"/>
+                                            </p:txEl>
+                                          </p:spTgt>
+                                        </p:tgtEl>
+                                        <p:attrNameLst>
+                                          <p:attrName>r</p:attrName>
+                                        </p:attrNameLst>
+                                      </p:cBhvr>
+                                    </p:animRot>
+                                    <p:animRot by="120000">
+                                      <p:cBhvr>
+                                        <p:cTn id="49" dur="200" fill="hold">
+                                          <p:stCondLst>
+                                            <p:cond delay="800"/>
+                                          </p:stCondLst>
+                                        </p:cTn>
+                                        <p:tgtEl>
+                                          <p:spTgt spid="3">
+                                            <p:txEl>
+                                              <p:pRg st="4" end="4"/>
                                             </p:txEl>
                                           </p:spTgt>
                                         </p:tgtEl>
